--- a/ppt 16-9/1408.做新造的人.pptx
+++ b/ppt 16-9/1408.做新造的人.pptx
@@ -129,7 +129,7 @@
           <p:cNvPr id="2" name="标题 1">
             <a:extLst>
               <a:ext uri="{FF2B5EF4-FFF2-40B4-BE49-F238E27FC236}">
-                <a16:creationId xmlns:a16="http://schemas.microsoft.com/office/drawing/2014/main" id="{2A635CE2-E89E-7993-24E0-E992D9A8D612}"/>
+                <a16:creationId xmlns:a16="http://schemas.microsoft.com/office/drawing/2014/main" id="{27FE2B13-5B7A-AD3B-0938-513DCA88299D}"/>
               </a:ext>
             </a:extLst>
           </p:cNvPr>
@@ -166,7 +166,7 @@
           <p:cNvPr id="3" name="副标题 2">
             <a:extLst>
               <a:ext uri="{FF2B5EF4-FFF2-40B4-BE49-F238E27FC236}">
-                <a16:creationId xmlns:a16="http://schemas.microsoft.com/office/drawing/2014/main" id="{BF645C8E-8BA8-5C64-F2CC-2072B472C475}"/>
+                <a16:creationId xmlns:a16="http://schemas.microsoft.com/office/drawing/2014/main" id="{A9E7B4F6-C80D-5F59-69A8-022802BF5D69}"/>
               </a:ext>
             </a:extLst>
           </p:cNvPr>
@@ -236,7 +236,7 @@
           <p:cNvPr id="4" name="日期占位符 3">
             <a:extLst>
               <a:ext uri="{FF2B5EF4-FFF2-40B4-BE49-F238E27FC236}">
-                <a16:creationId xmlns:a16="http://schemas.microsoft.com/office/drawing/2014/main" id="{642A383D-61CE-1EEB-6CC7-2012B2C5915A}"/>
+                <a16:creationId xmlns:a16="http://schemas.microsoft.com/office/drawing/2014/main" id="{261A3C8B-9EFE-48D0-7AD3-9D3E25FEEDEB}"/>
               </a:ext>
             </a:extLst>
           </p:cNvPr>
@@ -252,7 +252,7 @@
           <a:bodyPr/>
           <a:lstStyle/>
           <a:p>
-            <a:fld id="{83A7FA58-885C-493C-AD89-B066319818E5}" type="datetimeFigureOut">
+            <a:fld id="{14A948C3-79BE-4F40-9526-0A98AA9444C7}" type="datetimeFigureOut">
               <a:rPr lang="zh-CN" altLang="en-US" smtClean="0"/>
               <a:t>2024/3/10</a:t>
             </a:fld>
@@ -265,7 +265,7 @@
           <p:cNvPr id="5" name="页脚占位符 4">
             <a:extLst>
               <a:ext uri="{FF2B5EF4-FFF2-40B4-BE49-F238E27FC236}">
-                <a16:creationId xmlns:a16="http://schemas.microsoft.com/office/drawing/2014/main" id="{F561CEB0-2BB8-B099-C0C0-F55EB6B403C9}"/>
+                <a16:creationId xmlns:a16="http://schemas.microsoft.com/office/drawing/2014/main" id="{541CADF0-BEE6-72D6-7467-4FF59666E682}"/>
               </a:ext>
             </a:extLst>
           </p:cNvPr>
@@ -290,7 +290,7 @@
           <p:cNvPr id="6" name="灯片编号占位符 5">
             <a:extLst>
               <a:ext uri="{FF2B5EF4-FFF2-40B4-BE49-F238E27FC236}">
-                <a16:creationId xmlns:a16="http://schemas.microsoft.com/office/drawing/2014/main" id="{7F7EC3EE-3419-6462-321F-CCFB44785448}"/>
+                <a16:creationId xmlns:a16="http://schemas.microsoft.com/office/drawing/2014/main" id="{7781F5A5-B3DD-32C8-431C-EDA4D7630BA3}"/>
               </a:ext>
             </a:extLst>
           </p:cNvPr>
@@ -306,7 +306,7 @@
           <a:bodyPr/>
           <a:lstStyle/>
           <a:p>
-            <a:fld id="{70247FD4-C0C0-4806-B061-931E58095FAD}" type="slidenum">
+            <a:fld id="{C31F1BDC-15E6-4436-8487-DA028E1A0A8D}" type="slidenum">
               <a:rPr lang="zh-CN" altLang="en-US" smtClean="0"/>
               <a:t>‹#›</a:t>
             </a:fld>
@@ -317,7 +317,7 @@
     </p:spTree>
     <p:extLst>
       <p:ext uri="{BB962C8B-B14F-4D97-AF65-F5344CB8AC3E}">
-        <p14:creationId xmlns:p14="http://schemas.microsoft.com/office/powerpoint/2010/main" val="2876262604"/>
+        <p14:creationId xmlns:p14="http://schemas.microsoft.com/office/powerpoint/2010/main" val="37380213"/>
       </p:ext>
     </p:extLst>
   </p:cSld>
@@ -349,7 +349,7 @@
           <p:cNvPr id="2" name="标题 1">
             <a:extLst>
               <a:ext uri="{FF2B5EF4-FFF2-40B4-BE49-F238E27FC236}">
-                <a16:creationId xmlns:a16="http://schemas.microsoft.com/office/drawing/2014/main" id="{D7F87A56-A867-F433-0A36-13EA24FE61A7}"/>
+                <a16:creationId xmlns:a16="http://schemas.microsoft.com/office/drawing/2014/main" id="{088773AF-2555-A8CF-B808-AAEFE8901F2B}"/>
               </a:ext>
             </a:extLst>
           </p:cNvPr>
@@ -377,7 +377,7 @@
           <p:cNvPr id="3" name="竖排文字占位符 2">
             <a:extLst>
               <a:ext uri="{FF2B5EF4-FFF2-40B4-BE49-F238E27FC236}">
-                <a16:creationId xmlns:a16="http://schemas.microsoft.com/office/drawing/2014/main" id="{432452FD-2C66-73D3-1461-D7BF4BD02C14}"/>
+                <a16:creationId xmlns:a16="http://schemas.microsoft.com/office/drawing/2014/main" id="{C8D900C7-9E0A-BA71-9645-D350D9101DB6}"/>
               </a:ext>
             </a:extLst>
           </p:cNvPr>
@@ -434,7 +434,7 @@
           <p:cNvPr id="4" name="日期占位符 3">
             <a:extLst>
               <a:ext uri="{FF2B5EF4-FFF2-40B4-BE49-F238E27FC236}">
-                <a16:creationId xmlns:a16="http://schemas.microsoft.com/office/drawing/2014/main" id="{99B61D77-8038-5576-EAA4-4DE9D7FFB3F8}"/>
+                <a16:creationId xmlns:a16="http://schemas.microsoft.com/office/drawing/2014/main" id="{31F63B53-DE36-761B-7DC1-BBF10F4D126F}"/>
               </a:ext>
             </a:extLst>
           </p:cNvPr>
@@ -450,7 +450,7 @@
           <a:bodyPr/>
           <a:lstStyle/>
           <a:p>
-            <a:fld id="{83A7FA58-885C-493C-AD89-B066319818E5}" type="datetimeFigureOut">
+            <a:fld id="{14A948C3-79BE-4F40-9526-0A98AA9444C7}" type="datetimeFigureOut">
               <a:rPr lang="zh-CN" altLang="en-US" smtClean="0"/>
               <a:t>2024/3/10</a:t>
             </a:fld>
@@ -463,7 +463,7 @@
           <p:cNvPr id="5" name="页脚占位符 4">
             <a:extLst>
               <a:ext uri="{FF2B5EF4-FFF2-40B4-BE49-F238E27FC236}">
-                <a16:creationId xmlns:a16="http://schemas.microsoft.com/office/drawing/2014/main" id="{C711EC50-DFB8-E623-F08A-FB0D04C360C6}"/>
+                <a16:creationId xmlns:a16="http://schemas.microsoft.com/office/drawing/2014/main" id="{3B7509CD-0957-5784-4AA6-A17EE3B60CCB}"/>
               </a:ext>
             </a:extLst>
           </p:cNvPr>
@@ -488,7 +488,7 @@
           <p:cNvPr id="6" name="灯片编号占位符 5">
             <a:extLst>
               <a:ext uri="{FF2B5EF4-FFF2-40B4-BE49-F238E27FC236}">
-                <a16:creationId xmlns:a16="http://schemas.microsoft.com/office/drawing/2014/main" id="{554C72EF-FDB6-14A3-BB14-5980612102C5}"/>
+                <a16:creationId xmlns:a16="http://schemas.microsoft.com/office/drawing/2014/main" id="{01D144CB-4093-0A16-3852-8D4BC0877A00}"/>
               </a:ext>
             </a:extLst>
           </p:cNvPr>
@@ -504,7 +504,7 @@
           <a:bodyPr/>
           <a:lstStyle/>
           <a:p>
-            <a:fld id="{70247FD4-C0C0-4806-B061-931E58095FAD}" type="slidenum">
+            <a:fld id="{C31F1BDC-15E6-4436-8487-DA028E1A0A8D}" type="slidenum">
               <a:rPr lang="zh-CN" altLang="en-US" smtClean="0"/>
               <a:t>‹#›</a:t>
             </a:fld>
@@ -515,7 +515,7 @@
     </p:spTree>
     <p:extLst>
       <p:ext uri="{BB962C8B-B14F-4D97-AF65-F5344CB8AC3E}">
-        <p14:creationId xmlns:p14="http://schemas.microsoft.com/office/powerpoint/2010/main" val="2789341004"/>
+        <p14:creationId xmlns:p14="http://schemas.microsoft.com/office/powerpoint/2010/main" val="3219672114"/>
       </p:ext>
     </p:extLst>
   </p:cSld>
@@ -547,7 +547,7 @@
           <p:cNvPr id="2" name="竖排标题 1">
             <a:extLst>
               <a:ext uri="{FF2B5EF4-FFF2-40B4-BE49-F238E27FC236}">
-                <a16:creationId xmlns:a16="http://schemas.microsoft.com/office/drawing/2014/main" id="{8E511352-82FC-A285-F38C-07AB9046863C}"/>
+                <a16:creationId xmlns:a16="http://schemas.microsoft.com/office/drawing/2014/main" id="{97AD3B0A-758A-D2E2-C0D2-0CFF6659A3D1}"/>
               </a:ext>
             </a:extLst>
           </p:cNvPr>
@@ -580,7 +580,7 @@
           <p:cNvPr id="3" name="竖排文字占位符 2">
             <a:extLst>
               <a:ext uri="{FF2B5EF4-FFF2-40B4-BE49-F238E27FC236}">
-                <a16:creationId xmlns:a16="http://schemas.microsoft.com/office/drawing/2014/main" id="{09229D2F-BD03-4BBD-6E0A-6E74BAB5DCDA}"/>
+                <a16:creationId xmlns:a16="http://schemas.microsoft.com/office/drawing/2014/main" id="{4C4F6824-5996-1CB6-EE4B-1632FA5C5162}"/>
               </a:ext>
             </a:extLst>
           </p:cNvPr>
@@ -642,7 +642,7 @@
           <p:cNvPr id="4" name="日期占位符 3">
             <a:extLst>
               <a:ext uri="{FF2B5EF4-FFF2-40B4-BE49-F238E27FC236}">
-                <a16:creationId xmlns:a16="http://schemas.microsoft.com/office/drawing/2014/main" id="{038C0CEE-59D9-DE0E-42F1-F0DE16BDD771}"/>
+                <a16:creationId xmlns:a16="http://schemas.microsoft.com/office/drawing/2014/main" id="{82187EA3-2B19-6E3A-B802-E891274CB65A}"/>
               </a:ext>
             </a:extLst>
           </p:cNvPr>
@@ -658,7 +658,7 @@
           <a:bodyPr/>
           <a:lstStyle/>
           <a:p>
-            <a:fld id="{83A7FA58-885C-493C-AD89-B066319818E5}" type="datetimeFigureOut">
+            <a:fld id="{14A948C3-79BE-4F40-9526-0A98AA9444C7}" type="datetimeFigureOut">
               <a:rPr lang="zh-CN" altLang="en-US" smtClean="0"/>
               <a:t>2024/3/10</a:t>
             </a:fld>
@@ -671,7 +671,7 @@
           <p:cNvPr id="5" name="页脚占位符 4">
             <a:extLst>
               <a:ext uri="{FF2B5EF4-FFF2-40B4-BE49-F238E27FC236}">
-                <a16:creationId xmlns:a16="http://schemas.microsoft.com/office/drawing/2014/main" id="{5DAA733C-3F91-494B-9CCD-E19C490E5A6A}"/>
+                <a16:creationId xmlns:a16="http://schemas.microsoft.com/office/drawing/2014/main" id="{9BCBCEEF-B39C-9B1C-781A-BDB02C6234CA}"/>
               </a:ext>
             </a:extLst>
           </p:cNvPr>
@@ -696,7 +696,7 @@
           <p:cNvPr id="6" name="灯片编号占位符 5">
             <a:extLst>
               <a:ext uri="{FF2B5EF4-FFF2-40B4-BE49-F238E27FC236}">
-                <a16:creationId xmlns:a16="http://schemas.microsoft.com/office/drawing/2014/main" id="{429C0F47-9719-EF85-15B3-FCCC5AEE442A}"/>
+                <a16:creationId xmlns:a16="http://schemas.microsoft.com/office/drawing/2014/main" id="{FE8A1793-FEE1-45A0-F801-102521F35569}"/>
               </a:ext>
             </a:extLst>
           </p:cNvPr>
@@ -712,7 +712,7 @@
           <a:bodyPr/>
           <a:lstStyle/>
           <a:p>
-            <a:fld id="{70247FD4-C0C0-4806-B061-931E58095FAD}" type="slidenum">
+            <a:fld id="{C31F1BDC-15E6-4436-8487-DA028E1A0A8D}" type="slidenum">
               <a:rPr lang="zh-CN" altLang="en-US" smtClean="0"/>
               <a:t>‹#›</a:t>
             </a:fld>
@@ -723,7 +723,7 @@
     </p:spTree>
     <p:extLst>
       <p:ext uri="{BB962C8B-B14F-4D97-AF65-F5344CB8AC3E}">
-        <p14:creationId xmlns:p14="http://schemas.microsoft.com/office/powerpoint/2010/main" val="2447837038"/>
+        <p14:creationId xmlns:p14="http://schemas.microsoft.com/office/powerpoint/2010/main" val="1298552279"/>
       </p:ext>
     </p:extLst>
   </p:cSld>
@@ -755,7 +755,7 @@
           <p:cNvPr id="2" name="标题 1">
             <a:extLst>
               <a:ext uri="{FF2B5EF4-FFF2-40B4-BE49-F238E27FC236}">
-                <a16:creationId xmlns:a16="http://schemas.microsoft.com/office/drawing/2014/main" id="{69B7053A-DC4E-EDAB-92AC-1068636681E4}"/>
+                <a16:creationId xmlns:a16="http://schemas.microsoft.com/office/drawing/2014/main" id="{7111F8EA-1AD3-4911-AE7D-36FFC57A37B7}"/>
               </a:ext>
             </a:extLst>
           </p:cNvPr>
@@ -783,7 +783,7 @@
           <p:cNvPr id="3" name="内容占位符 2">
             <a:extLst>
               <a:ext uri="{FF2B5EF4-FFF2-40B4-BE49-F238E27FC236}">
-                <a16:creationId xmlns:a16="http://schemas.microsoft.com/office/drawing/2014/main" id="{E68D2E7D-A9F2-FD75-91F0-968DFD377355}"/>
+                <a16:creationId xmlns:a16="http://schemas.microsoft.com/office/drawing/2014/main" id="{32A4FCE8-4D57-BF75-B625-770F3D0FEF34}"/>
               </a:ext>
             </a:extLst>
           </p:cNvPr>
@@ -840,7 +840,7 @@
           <p:cNvPr id="4" name="日期占位符 3">
             <a:extLst>
               <a:ext uri="{FF2B5EF4-FFF2-40B4-BE49-F238E27FC236}">
-                <a16:creationId xmlns:a16="http://schemas.microsoft.com/office/drawing/2014/main" id="{46BBFDEE-F589-5297-EAF5-4333A1117D70}"/>
+                <a16:creationId xmlns:a16="http://schemas.microsoft.com/office/drawing/2014/main" id="{25D15BF5-8DBD-7B58-837B-C079D6389C2A}"/>
               </a:ext>
             </a:extLst>
           </p:cNvPr>
@@ -856,7 +856,7 @@
           <a:bodyPr/>
           <a:lstStyle/>
           <a:p>
-            <a:fld id="{83A7FA58-885C-493C-AD89-B066319818E5}" type="datetimeFigureOut">
+            <a:fld id="{14A948C3-79BE-4F40-9526-0A98AA9444C7}" type="datetimeFigureOut">
               <a:rPr lang="zh-CN" altLang="en-US" smtClean="0"/>
               <a:t>2024/3/10</a:t>
             </a:fld>
@@ -869,7 +869,7 @@
           <p:cNvPr id="5" name="页脚占位符 4">
             <a:extLst>
               <a:ext uri="{FF2B5EF4-FFF2-40B4-BE49-F238E27FC236}">
-                <a16:creationId xmlns:a16="http://schemas.microsoft.com/office/drawing/2014/main" id="{D012A107-73AA-B7B8-1290-7CA04F39352F}"/>
+                <a16:creationId xmlns:a16="http://schemas.microsoft.com/office/drawing/2014/main" id="{88B257EA-624F-A1CF-3AFE-C0F154110655}"/>
               </a:ext>
             </a:extLst>
           </p:cNvPr>
@@ -894,7 +894,7 @@
           <p:cNvPr id="6" name="灯片编号占位符 5">
             <a:extLst>
               <a:ext uri="{FF2B5EF4-FFF2-40B4-BE49-F238E27FC236}">
-                <a16:creationId xmlns:a16="http://schemas.microsoft.com/office/drawing/2014/main" id="{0DF152CC-F7CC-9148-A952-394062936DC9}"/>
+                <a16:creationId xmlns:a16="http://schemas.microsoft.com/office/drawing/2014/main" id="{EC92ADFC-C3F6-AF14-083E-B2E52FD43573}"/>
               </a:ext>
             </a:extLst>
           </p:cNvPr>
@@ -910,7 +910,7 @@
           <a:bodyPr/>
           <a:lstStyle/>
           <a:p>
-            <a:fld id="{70247FD4-C0C0-4806-B061-931E58095FAD}" type="slidenum">
+            <a:fld id="{C31F1BDC-15E6-4436-8487-DA028E1A0A8D}" type="slidenum">
               <a:rPr lang="zh-CN" altLang="en-US" smtClean="0"/>
               <a:t>‹#›</a:t>
             </a:fld>
@@ -921,7 +921,7 @@
     </p:spTree>
     <p:extLst>
       <p:ext uri="{BB962C8B-B14F-4D97-AF65-F5344CB8AC3E}">
-        <p14:creationId xmlns:p14="http://schemas.microsoft.com/office/powerpoint/2010/main" val="529333756"/>
+        <p14:creationId xmlns:p14="http://schemas.microsoft.com/office/powerpoint/2010/main" val="981574399"/>
       </p:ext>
     </p:extLst>
   </p:cSld>
@@ -953,7 +953,7 @@
           <p:cNvPr id="2" name="标题 1">
             <a:extLst>
               <a:ext uri="{FF2B5EF4-FFF2-40B4-BE49-F238E27FC236}">
-                <a16:creationId xmlns:a16="http://schemas.microsoft.com/office/drawing/2014/main" id="{F2974C4C-7C1F-3C2B-DE59-1D1A502AB811}"/>
+                <a16:creationId xmlns:a16="http://schemas.microsoft.com/office/drawing/2014/main" id="{8432AF5F-BF59-28C2-2089-FA56AD9F36EA}"/>
               </a:ext>
             </a:extLst>
           </p:cNvPr>
@@ -990,7 +990,7 @@
           <p:cNvPr id="3" name="文本占位符 2">
             <a:extLst>
               <a:ext uri="{FF2B5EF4-FFF2-40B4-BE49-F238E27FC236}">
-                <a16:creationId xmlns:a16="http://schemas.microsoft.com/office/drawing/2014/main" id="{A299BBE8-2F9E-A573-369B-4E925D415565}"/>
+                <a16:creationId xmlns:a16="http://schemas.microsoft.com/office/drawing/2014/main" id="{42C3C93D-258B-837A-6592-AA68F568BEEE}"/>
               </a:ext>
             </a:extLst>
           </p:cNvPr>
@@ -1115,7 +1115,7 @@
           <p:cNvPr id="4" name="日期占位符 3">
             <a:extLst>
               <a:ext uri="{FF2B5EF4-FFF2-40B4-BE49-F238E27FC236}">
-                <a16:creationId xmlns:a16="http://schemas.microsoft.com/office/drawing/2014/main" id="{C389A94F-B28F-1DCF-12F0-87D026D05222}"/>
+                <a16:creationId xmlns:a16="http://schemas.microsoft.com/office/drawing/2014/main" id="{0620D4EF-05BB-CC9F-DD96-7B39FE7EA97A}"/>
               </a:ext>
             </a:extLst>
           </p:cNvPr>
@@ -1131,7 +1131,7 @@
           <a:bodyPr/>
           <a:lstStyle/>
           <a:p>
-            <a:fld id="{83A7FA58-885C-493C-AD89-B066319818E5}" type="datetimeFigureOut">
+            <a:fld id="{14A948C3-79BE-4F40-9526-0A98AA9444C7}" type="datetimeFigureOut">
               <a:rPr lang="zh-CN" altLang="en-US" smtClean="0"/>
               <a:t>2024/3/10</a:t>
             </a:fld>
@@ -1144,7 +1144,7 @@
           <p:cNvPr id="5" name="页脚占位符 4">
             <a:extLst>
               <a:ext uri="{FF2B5EF4-FFF2-40B4-BE49-F238E27FC236}">
-                <a16:creationId xmlns:a16="http://schemas.microsoft.com/office/drawing/2014/main" id="{FF54A92B-F8EE-2DF1-99C1-D673568596D0}"/>
+                <a16:creationId xmlns:a16="http://schemas.microsoft.com/office/drawing/2014/main" id="{249EFE78-6673-2CA1-71E4-218696D65B7D}"/>
               </a:ext>
             </a:extLst>
           </p:cNvPr>
@@ -1169,7 +1169,7 @@
           <p:cNvPr id="6" name="灯片编号占位符 5">
             <a:extLst>
               <a:ext uri="{FF2B5EF4-FFF2-40B4-BE49-F238E27FC236}">
-                <a16:creationId xmlns:a16="http://schemas.microsoft.com/office/drawing/2014/main" id="{4DCF9CE3-7B25-63FC-EE59-1B67D37AEEC8}"/>
+                <a16:creationId xmlns:a16="http://schemas.microsoft.com/office/drawing/2014/main" id="{1213D983-DF11-ED20-2BC4-D5C2E5E98451}"/>
               </a:ext>
             </a:extLst>
           </p:cNvPr>
@@ -1185,7 +1185,7 @@
           <a:bodyPr/>
           <a:lstStyle/>
           <a:p>
-            <a:fld id="{70247FD4-C0C0-4806-B061-931E58095FAD}" type="slidenum">
+            <a:fld id="{C31F1BDC-15E6-4436-8487-DA028E1A0A8D}" type="slidenum">
               <a:rPr lang="zh-CN" altLang="en-US" smtClean="0"/>
               <a:t>‹#›</a:t>
             </a:fld>
@@ -1196,7 +1196,7 @@
     </p:spTree>
     <p:extLst>
       <p:ext uri="{BB962C8B-B14F-4D97-AF65-F5344CB8AC3E}">
-        <p14:creationId xmlns:p14="http://schemas.microsoft.com/office/powerpoint/2010/main" val="2319465708"/>
+        <p14:creationId xmlns:p14="http://schemas.microsoft.com/office/powerpoint/2010/main" val="1100704435"/>
       </p:ext>
     </p:extLst>
   </p:cSld>
@@ -1228,7 +1228,7 @@
           <p:cNvPr id="2" name="标题 1">
             <a:extLst>
               <a:ext uri="{FF2B5EF4-FFF2-40B4-BE49-F238E27FC236}">
-                <a16:creationId xmlns:a16="http://schemas.microsoft.com/office/drawing/2014/main" id="{2DB9BED3-D429-6926-350A-0FA7118B86DB}"/>
+                <a16:creationId xmlns:a16="http://schemas.microsoft.com/office/drawing/2014/main" id="{06D6D7B1-4455-FF5B-5A33-2092952529FD}"/>
               </a:ext>
             </a:extLst>
           </p:cNvPr>
@@ -1256,7 +1256,7 @@
           <p:cNvPr id="3" name="内容占位符 2">
             <a:extLst>
               <a:ext uri="{FF2B5EF4-FFF2-40B4-BE49-F238E27FC236}">
-                <a16:creationId xmlns:a16="http://schemas.microsoft.com/office/drawing/2014/main" id="{98636208-2FFC-F6E4-BF36-54F4126EFD1B}"/>
+                <a16:creationId xmlns:a16="http://schemas.microsoft.com/office/drawing/2014/main" id="{DB0F1269-1664-4D0C-B4DA-9EE981C60962}"/>
               </a:ext>
             </a:extLst>
           </p:cNvPr>
@@ -1318,7 +1318,7 @@
           <p:cNvPr id="4" name="内容占位符 3">
             <a:extLst>
               <a:ext uri="{FF2B5EF4-FFF2-40B4-BE49-F238E27FC236}">
-                <a16:creationId xmlns:a16="http://schemas.microsoft.com/office/drawing/2014/main" id="{B2A687B9-9BA1-39CA-84F2-D0C628595270}"/>
+                <a16:creationId xmlns:a16="http://schemas.microsoft.com/office/drawing/2014/main" id="{FEB26D9D-5797-D5E3-C839-91D87394B383}"/>
               </a:ext>
             </a:extLst>
           </p:cNvPr>
@@ -1380,7 +1380,7 @@
           <p:cNvPr id="5" name="日期占位符 4">
             <a:extLst>
               <a:ext uri="{FF2B5EF4-FFF2-40B4-BE49-F238E27FC236}">
-                <a16:creationId xmlns:a16="http://schemas.microsoft.com/office/drawing/2014/main" id="{3703A098-56B3-F5AA-A8B1-67BA75D8799C}"/>
+                <a16:creationId xmlns:a16="http://schemas.microsoft.com/office/drawing/2014/main" id="{3C8FABE4-3863-F541-8128-AEC672DFA4ED}"/>
               </a:ext>
             </a:extLst>
           </p:cNvPr>
@@ -1396,7 +1396,7 @@
           <a:bodyPr/>
           <a:lstStyle/>
           <a:p>
-            <a:fld id="{83A7FA58-885C-493C-AD89-B066319818E5}" type="datetimeFigureOut">
+            <a:fld id="{14A948C3-79BE-4F40-9526-0A98AA9444C7}" type="datetimeFigureOut">
               <a:rPr lang="zh-CN" altLang="en-US" smtClean="0"/>
               <a:t>2024/3/10</a:t>
             </a:fld>
@@ -1409,7 +1409,7 @@
           <p:cNvPr id="6" name="页脚占位符 5">
             <a:extLst>
               <a:ext uri="{FF2B5EF4-FFF2-40B4-BE49-F238E27FC236}">
-                <a16:creationId xmlns:a16="http://schemas.microsoft.com/office/drawing/2014/main" id="{18A3383A-A925-FDD4-718F-D5F8E930C98A}"/>
+                <a16:creationId xmlns:a16="http://schemas.microsoft.com/office/drawing/2014/main" id="{943039FE-0E5E-6E89-BDB3-D412B6359C65}"/>
               </a:ext>
             </a:extLst>
           </p:cNvPr>
@@ -1434,7 +1434,7 @@
           <p:cNvPr id="7" name="灯片编号占位符 6">
             <a:extLst>
               <a:ext uri="{FF2B5EF4-FFF2-40B4-BE49-F238E27FC236}">
-                <a16:creationId xmlns:a16="http://schemas.microsoft.com/office/drawing/2014/main" id="{BBE534DB-FDBD-B9B9-F559-14420F628E50}"/>
+                <a16:creationId xmlns:a16="http://schemas.microsoft.com/office/drawing/2014/main" id="{888DAB52-A91E-2ED4-005B-57A0265BA627}"/>
               </a:ext>
             </a:extLst>
           </p:cNvPr>
@@ -1450,7 +1450,7 @@
           <a:bodyPr/>
           <a:lstStyle/>
           <a:p>
-            <a:fld id="{70247FD4-C0C0-4806-B061-931E58095FAD}" type="slidenum">
+            <a:fld id="{C31F1BDC-15E6-4436-8487-DA028E1A0A8D}" type="slidenum">
               <a:rPr lang="zh-CN" altLang="en-US" smtClean="0"/>
               <a:t>‹#›</a:t>
             </a:fld>
@@ -1461,7 +1461,7 @@
     </p:spTree>
     <p:extLst>
       <p:ext uri="{BB962C8B-B14F-4D97-AF65-F5344CB8AC3E}">
-        <p14:creationId xmlns:p14="http://schemas.microsoft.com/office/powerpoint/2010/main" val="2837604154"/>
+        <p14:creationId xmlns:p14="http://schemas.microsoft.com/office/powerpoint/2010/main" val="4157105716"/>
       </p:ext>
     </p:extLst>
   </p:cSld>
@@ -1493,7 +1493,7 @@
           <p:cNvPr id="2" name="标题 1">
             <a:extLst>
               <a:ext uri="{FF2B5EF4-FFF2-40B4-BE49-F238E27FC236}">
-                <a16:creationId xmlns:a16="http://schemas.microsoft.com/office/drawing/2014/main" id="{FA4E60A2-9438-F5B0-5A6F-60979C89ABF7}"/>
+                <a16:creationId xmlns:a16="http://schemas.microsoft.com/office/drawing/2014/main" id="{FD352E22-93BD-910E-9EC6-15DD89AE8C3B}"/>
               </a:ext>
             </a:extLst>
           </p:cNvPr>
@@ -1526,7 +1526,7 @@
           <p:cNvPr id="3" name="文本占位符 2">
             <a:extLst>
               <a:ext uri="{FF2B5EF4-FFF2-40B4-BE49-F238E27FC236}">
-                <a16:creationId xmlns:a16="http://schemas.microsoft.com/office/drawing/2014/main" id="{DA6076DC-7E2E-2010-E63C-8D4EC1F22D94}"/>
+                <a16:creationId xmlns:a16="http://schemas.microsoft.com/office/drawing/2014/main" id="{8D5DF67D-3293-E49F-FAE3-AC78B20CEA9F}"/>
               </a:ext>
             </a:extLst>
           </p:cNvPr>
@@ -1597,7 +1597,7 @@
           <p:cNvPr id="4" name="内容占位符 3">
             <a:extLst>
               <a:ext uri="{FF2B5EF4-FFF2-40B4-BE49-F238E27FC236}">
-                <a16:creationId xmlns:a16="http://schemas.microsoft.com/office/drawing/2014/main" id="{F7809E82-EE21-92AA-27ED-3390AD9A8634}"/>
+                <a16:creationId xmlns:a16="http://schemas.microsoft.com/office/drawing/2014/main" id="{0B757236-60FC-3C46-4E85-CF35673A9B7C}"/>
               </a:ext>
             </a:extLst>
           </p:cNvPr>
@@ -1659,7 +1659,7 @@
           <p:cNvPr id="5" name="文本占位符 4">
             <a:extLst>
               <a:ext uri="{FF2B5EF4-FFF2-40B4-BE49-F238E27FC236}">
-                <a16:creationId xmlns:a16="http://schemas.microsoft.com/office/drawing/2014/main" id="{8FD74926-62E4-71AE-6C85-8CE2C691A532}"/>
+                <a16:creationId xmlns:a16="http://schemas.microsoft.com/office/drawing/2014/main" id="{DC694344-0E6A-0555-3ECA-BECBE6B07D98}"/>
               </a:ext>
             </a:extLst>
           </p:cNvPr>
@@ -1730,7 +1730,7 @@
           <p:cNvPr id="6" name="内容占位符 5">
             <a:extLst>
               <a:ext uri="{FF2B5EF4-FFF2-40B4-BE49-F238E27FC236}">
-                <a16:creationId xmlns:a16="http://schemas.microsoft.com/office/drawing/2014/main" id="{1F52EF0F-9E48-5109-1AB6-0AF24F981D9F}"/>
+                <a16:creationId xmlns:a16="http://schemas.microsoft.com/office/drawing/2014/main" id="{34F1D942-5FDE-51CD-8BBD-AECD606F4722}"/>
               </a:ext>
             </a:extLst>
           </p:cNvPr>
@@ -1792,7 +1792,7 @@
           <p:cNvPr id="7" name="日期占位符 6">
             <a:extLst>
               <a:ext uri="{FF2B5EF4-FFF2-40B4-BE49-F238E27FC236}">
-                <a16:creationId xmlns:a16="http://schemas.microsoft.com/office/drawing/2014/main" id="{A98536AB-7E1F-CEC3-0225-35FE58029E43}"/>
+                <a16:creationId xmlns:a16="http://schemas.microsoft.com/office/drawing/2014/main" id="{14AE3C30-91CD-8696-6D95-B7BD2383B93F}"/>
               </a:ext>
             </a:extLst>
           </p:cNvPr>
@@ -1808,7 +1808,7 @@
           <a:bodyPr/>
           <a:lstStyle/>
           <a:p>
-            <a:fld id="{83A7FA58-885C-493C-AD89-B066319818E5}" type="datetimeFigureOut">
+            <a:fld id="{14A948C3-79BE-4F40-9526-0A98AA9444C7}" type="datetimeFigureOut">
               <a:rPr lang="zh-CN" altLang="en-US" smtClean="0"/>
               <a:t>2024/3/10</a:t>
             </a:fld>
@@ -1821,7 +1821,7 @@
           <p:cNvPr id="8" name="页脚占位符 7">
             <a:extLst>
               <a:ext uri="{FF2B5EF4-FFF2-40B4-BE49-F238E27FC236}">
-                <a16:creationId xmlns:a16="http://schemas.microsoft.com/office/drawing/2014/main" id="{D8FC2A3D-2D47-EB2E-C3EC-B226C7E0EA01}"/>
+                <a16:creationId xmlns:a16="http://schemas.microsoft.com/office/drawing/2014/main" id="{4EF1ADED-EA81-53A6-BB72-2D4D1167E3E0}"/>
               </a:ext>
             </a:extLst>
           </p:cNvPr>
@@ -1846,7 +1846,7 @@
           <p:cNvPr id="9" name="灯片编号占位符 8">
             <a:extLst>
               <a:ext uri="{FF2B5EF4-FFF2-40B4-BE49-F238E27FC236}">
-                <a16:creationId xmlns:a16="http://schemas.microsoft.com/office/drawing/2014/main" id="{755D2C51-1FFD-F36E-A128-2FE299FE9DBF}"/>
+                <a16:creationId xmlns:a16="http://schemas.microsoft.com/office/drawing/2014/main" id="{9A4AF01E-73FB-60C6-7957-9D7751DB3C97}"/>
               </a:ext>
             </a:extLst>
           </p:cNvPr>
@@ -1862,7 +1862,7 @@
           <a:bodyPr/>
           <a:lstStyle/>
           <a:p>
-            <a:fld id="{70247FD4-C0C0-4806-B061-931E58095FAD}" type="slidenum">
+            <a:fld id="{C31F1BDC-15E6-4436-8487-DA028E1A0A8D}" type="slidenum">
               <a:rPr lang="zh-CN" altLang="en-US" smtClean="0"/>
               <a:t>‹#›</a:t>
             </a:fld>
@@ -1873,7 +1873,7 @@
     </p:spTree>
     <p:extLst>
       <p:ext uri="{BB962C8B-B14F-4D97-AF65-F5344CB8AC3E}">
-        <p14:creationId xmlns:p14="http://schemas.microsoft.com/office/powerpoint/2010/main" val="2251035701"/>
+        <p14:creationId xmlns:p14="http://schemas.microsoft.com/office/powerpoint/2010/main" val="773843511"/>
       </p:ext>
     </p:extLst>
   </p:cSld>
@@ -1905,7 +1905,7 @@
           <p:cNvPr id="2" name="标题 1">
             <a:extLst>
               <a:ext uri="{FF2B5EF4-FFF2-40B4-BE49-F238E27FC236}">
-                <a16:creationId xmlns:a16="http://schemas.microsoft.com/office/drawing/2014/main" id="{DE7E5A67-655C-722D-4CAD-7C4C053A40B3}"/>
+                <a16:creationId xmlns:a16="http://schemas.microsoft.com/office/drawing/2014/main" id="{C629BE9B-B9B2-5A58-4164-F7454E77FE5C}"/>
               </a:ext>
             </a:extLst>
           </p:cNvPr>
@@ -1933,7 +1933,7 @@
           <p:cNvPr id="3" name="日期占位符 2">
             <a:extLst>
               <a:ext uri="{FF2B5EF4-FFF2-40B4-BE49-F238E27FC236}">
-                <a16:creationId xmlns:a16="http://schemas.microsoft.com/office/drawing/2014/main" id="{1BAE5638-084B-638F-E18C-1498EB100C42}"/>
+                <a16:creationId xmlns:a16="http://schemas.microsoft.com/office/drawing/2014/main" id="{640CD09C-FFD0-84FF-066F-AD99D2D5C873}"/>
               </a:ext>
             </a:extLst>
           </p:cNvPr>
@@ -1949,7 +1949,7 @@
           <a:bodyPr/>
           <a:lstStyle/>
           <a:p>
-            <a:fld id="{83A7FA58-885C-493C-AD89-B066319818E5}" type="datetimeFigureOut">
+            <a:fld id="{14A948C3-79BE-4F40-9526-0A98AA9444C7}" type="datetimeFigureOut">
               <a:rPr lang="zh-CN" altLang="en-US" smtClean="0"/>
               <a:t>2024/3/10</a:t>
             </a:fld>
@@ -1962,7 +1962,7 @@
           <p:cNvPr id="4" name="页脚占位符 3">
             <a:extLst>
               <a:ext uri="{FF2B5EF4-FFF2-40B4-BE49-F238E27FC236}">
-                <a16:creationId xmlns:a16="http://schemas.microsoft.com/office/drawing/2014/main" id="{527EEDED-EA91-00C5-5A22-50C888F3A74E}"/>
+                <a16:creationId xmlns:a16="http://schemas.microsoft.com/office/drawing/2014/main" id="{57228D4E-08E7-3911-CE75-5A4F72FD7D2F}"/>
               </a:ext>
             </a:extLst>
           </p:cNvPr>
@@ -1987,7 +1987,7 @@
           <p:cNvPr id="5" name="灯片编号占位符 4">
             <a:extLst>
               <a:ext uri="{FF2B5EF4-FFF2-40B4-BE49-F238E27FC236}">
-                <a16:creationId xmlns:a16="http://schemas.microsoft.com/office/drawing/2014/main" id="{D667E578-4429-8D36-1203-82EC500AB59C}"/>
+                <a16:creationId xmlns:a16="http://schemas.microsoft.com/office/drawing/2014/main" id="{AFDC1BA4-C9A6-AB95-4970-F5F2F2A04C7E}"/>
               </a:ext>
             </a:extLst>
           </p:cNvPr>
@@ -2003,7 +2003,7 @@
           <a:bodyPr/>
           <a:lstStyle/>
           <a:p>
-            <a:fld id="{70247FD4-C0C0-4806-B061-931E58095FAD}" type="slidenum">
+            <a:fld id="{C31F1BDC-15E6-4436-8487-DA028E1A0A8D}" type="slidenum">
               <a:rPr lang="zh-CN" altLang="en-US" smtClean="0"/>
               <a:t>‹#›</a:t>
             </a:fld>
@@ -2014,7 +2014,7 @@
     </p:spTree>
     <p:extLst>
       <p:ext uri="{BB962C8B-B14F-4D97-AF65-F5344CB8AC3E}">
-        <p14:creationId xmlns:p14="http://schemas.microsoft.com/office/powerpoint/2010/main" val="1097032537"/>
+        <p14:creationId xmlns:p14="http://schemas.microsoft.com/office/powerpoint/2010/main" val="2556005358"/>
       </p:ext>
     </p:extLst>
   </p:cSld>
@@ -2046,7 +2046,7 @@
           <p:cNvPr id="2" name="日期占位符 1">
             <a:extLst>
               <a:ext uri="{FF2B5EF4-FFF2-40B4-BE49-F238E27FC236}">
-                <a16:creationId xmlns:a16="http://schemas.microsoft.com/office/drawing/2014/main" id="{E3BF00BF-8454-EB6A-87C5-4664D22B8D3C}"/>
+                <a16:creationId xmlns:a16="http://schemas.microsoft.com/office/drawing/2014/main" id="{C9C17BAA-3821-C8A7-7AF1-71894DE8850D}"/>
               </a:ext>
             </a:extLst>
           </p:cNvPr>
@@ -2062,7 +2062,7 @@
           <a:bodyPr/>
           <a:lstStyle/>
           <a:p>
-            <a:fld id="{83A7FA58-885C-493C-AD89-B066319818E5}" type="datetimeFigureOut">
+            <a:fld id="{14A948C3-79BE-4F40-9526-0A98AA9444C7}" type="datetimeFigureOut">
               <a:rPr lang="zh-CN" altLang="en-US" smtClean="0"/>
               <a:t>2024/3/10</a:t>
             </a:fld>
@@ -2075,7 +2075,7 @@
           <p:cNvPr id="3" name="页脚占位符 2">
             <a:extLst>
               <a:ext uri="{FF2B5EF4-FFF2-40B4-BE49-F238E27FC236}">
-                <a16:creationId xmlns:a16="http://schemas.microsoft.com/office/drawing/2014/main" id="{08F2E657-6E8A-C5CD-A2DD-65BA41D487BB}"/>
+                <a16:creationId xmlns:a16="http://schemas.microsoft.com/office/drawing/2014/main" id="{C8FA77CA-796E-A2A3-14C2-0E6190EAAFEF}"/>
               </a:ext>
             </a:extLst>
           </p:cNvPr>
@@ -2100,7 +2100,7 @@
           <p:cNvPr id="4" name="灯片编号占位符 3">
             <a:extLst>
               <a:ext uri="{FF2B5EF4-FFF2-40B4-BE49-F238E27FC236}">
-                <a16:creationId xmlns:a16="http://schemas.microsoft.com/office/drawing/2014/main" id="{4AE2A180-9992-1B89-7324-6BB722AE96BA}"/>
+                <a16:creationId xmlns:a16="http://schemas.microsoft.com/office/drawing/2014/main" id="{952F4F75-76C5-6640-741E-1AE903FBCB53}"/>
               </a:ext>
             </a:extLst>
           </p:cNvPr>
@@ -2116,7 +2116,7 @@
           <a:bodyPr/>
           <a:lstStyle/>
           <a:p>
-            <a:fld id="{70247FD4-C0C0-4806-B061-931E58095FAD}" type="slidenum">
+            <a:fld id="{C31F1BDC-15E6-4436-8487-DA028E1A0A8D}" type="slidenum">
               <a:rPr lang="zh-CN" altLang="en-US" smtClean="0"/>
               <a:t>‹#›</a:t>
             </a:fld>
@@ -2127,7 +2127,7 @@
     </p:spTree>
     <p:extLst>
       <p:ext uri="{BB962C8B-B14F-4D97-AF65-F5344CB8AC3E}">
-        <p14:creationId xmlns:p14="http://schemas.microsoft.com/office/powerpoint/2010/main" val="3310058002"/>
+        <p14:creationId xmlns:p14="http://schemas.microsoft.com/office/powerpoint/2010/main" val="1811119415"/>
       </p:ext>
     </p:extLst>
   </p:cSld>
@@ -2159,7 +2159,7 @@
           <p:cNvPr id="2" name="标题 1">
             <a:extLst>
               <a:ext uri="{FF2B5EF4-FFF2-40B4-BE49-F238E27FC236}">
-                <a16:creationId xmlns:a16="http://schemas.microsoft.com/office/drawing/2014/main" id="{EC00FC2D-305F-CA22-41DB-5C04CE2E50F4}"/>
+                <a16:creationId xmlns:a16="http://schemas.microsoft.com/office/drawing/2014/main" id="{8BFA51E6-0D38-8438-5F0D-DF74FA80B3FC}"/>
               </a:ext>
             </a:extLst>
           </p:cNvPr>
@@ -2196,7 +2196,7 @@
           <p:cNvPr id="3" name="内容占位符 2">
             <a:extLst>
               <a:ext uri="{FF2B5EF4-FFF2-40B4-BE49-F238E27FC236}">
-                <a16:creationId xmlns:a16="http://schemas.microsoft.com/office/drawing/2014/main" id="{0AA9FA42-B2A4-A25B-A97F-D70FB7BA6FD5}"/>
+                <a16:creationId xmlns:a16="http://schemas.microsoft.com/office/drawing/2014/main" id="{6CC672EC-9D5B-1E10-A89A-8A8A5D29184E}"/>
               </a:ext>
             </a:extLst>
           </p:cNvPr>
@@ -2286,7 +2286,7 @@
           <p:cNvPr id="4" name="文本占位符 3">
             <a:extLst>
               <a:ext uri="{FF2B5EF4-FFF2-40B4-BE49-F238E27FC236}">
-                <a16:creationId xmlns:a16="http://schemas.microsoft.com/office/drawing/2014/main" id="{FDC350C1-1EEA-5058-10B3-44D540DCBF13}"/>
+                <a16:creationId xmlns:a16="http://schemas.microsoft.com/office/drawing/2014/main" id="{6EEED8EC-6158-E5DE-53BE-1D2497474FBC}"/>
               </a:ext>
             </a:extLst>
           </p:cNvPr>
@@ -2357,7 +2357,7 @@
           <p:cNvPr id="5" name="日期占位符 4">
             <a:extLst>
               <a:ext uri="{FF2B5EF4-FFF2-40B4-BE49-F238E27FC236}">
-                <a16:creationId xmlns:a16="http://schemas.microsoft.com/office/drawing/2014/main" id="{307BCBAC-E491-93B2-A704-2C7CD66A71A5}"/>
+                <a16:creationId xmlns:a16="http://schemas.microsoft.com/office/drawing/2014/main" id="{FDB3B237-79C0-F35A-64DE-610F370CDCB2}"/>
               </a:ext>
             </a:extLst>
           </p:cNvPr>
@@ -2373,7 +2373,7 @@
           <a:bodyPr/>
           <a:lstStyle/>
           <a:p>
-            <a:fld id="{83A7FA58-885C-493C-AD89-B066319818E5}" type="datetimeFigureOut">
+            <a:fld id="{14A948C3-79BE-4F40-9526-0A98AA9444C7}" type="datetimeFigureOut">
               <a:rPr lang="zh-CN" altLang="en-US" smtClean="0"/>
               <a:t>2024/3/10</a:t>
             </a:fld>
@@ -2386,7 +2386,7 @@
           <p:cNvPr id="6" name="页脚占位符 5">
             <a:extLst>
               <a:ext uri="{FF2B5EF4-FFF2-40B4-BE49-F238E27FC236}">
-                <a16:creationId xmlns:a16="http://schemas.microsoft.com/office/drawing/2014/main" id="{B91064AD-E39D-2CB9-65D3-D71E3DFCFA6A}"/>
+                <a16:creationId xmlns:a16="http://schemas.microsoft.com/office/drawing/2014/main" id="{206B8FAA-B216-8F5A-091F-0C0284F04082}"/>
               </a:ext>
             </a:extLst>
           </p:cNvPr>
@@ -2411,7 +2411,7 @@
           <p:cNvPr id="7" name="灯片编号占位符 6">
             <a:extLst>
               <a:ext uri="{FF2B5EF4-FFF2-40B4-BE49-F238E27FC236}">
-                <a16:creationId xmlns:a16="http://schemas.microsoft.com/office/drawing/2014/main" id="{B98CC97F-D04B-B0EC-AE6D-55365EFF8789}"/>
+                <a16:creationId xmlns:a16="http://schemas.microsoft.com/office/drawing/2014/main" id="{2CE58F87-D97A-3F55-F3CF-15360E7BBC75}"/>
               </a:ext>
             </a:extLst>
           </p:cNvPr>
@@ -2427,7 +2427,7 @@
           <a:bodyPr/>
           <a:lstStyle/>
           <a:p>
-            <a:fld id="{70247FD4-C0C0-4806-B061-931E58095FAD}" type="slidenum">
+            <a:fld id="{C31F1BDC-15E6-4436-8487-DA028E1A0A8D}" type="slidenum">
               <a:rPr lang="zh-CN" altLang="en-US" smtClean="0"/>
               <a:t>‹#›</a:t>
             </a:fld>
@@ -2438,7 +2438,7 @@
     </p:spTree>
     <p:extLst>
       <p:ext uri="{BB962C8B-B14F-4D97-AF65-F5344CB8AC3E}">
-        <p14:creationId xmlns:p14="http://schemas.microsoft.com/office/powerpoint/2010/main" val="2063876246"/>
+        <p14:creationId xmlns:p14="http://schemas.microsoft.com/office/powerpoint/2010/main" val="3277688122"/>
       </p:ext>
     </p:extLst>
   </p:cSld>
@@ -2470,7 +2470,7 @@
           <p:cNvPr id="2" name="标题 1">
             <a:extLst>
               <a:ext uri="{FF2B5EF4-FFF2-40B4-BE49-F238E27FC236}">
-                <a16:creationId xmlns:a16="http://schemas.microsoft.com/office/drawing/2014/main" id="{BBC07588-D88F-9FE7-886E-748FC5BF9151}"/>
+                <a16:creationId xmlns:a16="http://schemas.microsoft.com/office/drawing/2014/main" id="{93E8AF6D-CCC4-C0FA-2453-586E89ED6F9B}"/>
               </a:ext>
             </a:extLst>
           </p:cNvPr>
@@ -2507,7 +2507,7 @@
           <p:cNvPr id="3" name="图片占位符 2">
             <a:extLst>
               <a:ext uri="{FF2B5EF4-FFF2-40B4-BE49-F238E27FC236}">
-                <a16:creationId xmlns:a16="http://schemas.microsoft.com/office/drawing/2014/main" id="{FB284043-E14A-447A-B156-2726C2C1257A}"/>
+                <a16:creationId xmlns:a16="http://schemas.microsoft.com/office/drawing/2014/main" id="{138CBBB8-7C9F-5424-8813-1383087C0C7C}"/>
               </a:ext>
             </a:extLst>
           </p:cNvPr>
@@ -2574,7 +2574,7 @@
           <p:cNvPr id="4" name="文本占位符 3">
             <a:extLst>
               <a:ext uri="{FF2B5EF4-FFF2-40B4-BE49-F238E27FC236}">
-                <a16:creationId xmlns:a16="http://schemas.microsoft.com/office/drawing/2014/main" id="{3946382E-7107-556F-60DE-75512FDC6D9A}"/>
+                <a16:creationId xmlns:a16="http://schemas.microsoft.com/office/drawing/2014/main" id="{AEF160DC-3B7B-45D4-00A8-05759A43B96C}"/>
               </a:ext>
             </a:extLst>
           </p:cNvPr>
@@ -2645,7 +2645,7 @@
           <p:cNvPr id="5" name="日期占位符 4">
             <a:extLst>
               <a:ext uri="{FF2B5EF4-FFF2-40B4-BE49-F238E27FC236}">
-                <a16:creationId xmlns:a16="http://schemas.microsoft.com/office/drawing/2014/main" id="{65842030-D68E-BD57-8359-9428C042C817}"/>
+                <a16:creationId xmlns:a16="http://schemas.microsoft.com/office/drawing/2014/main" id="{A6043086-CD73-643B-3852-697DA996FD07}"/>
               </a:ext>
             </a:extLst>
           </p:cNvPr>
@@ -2661,7 +2661,7 @@
           <a:bodyPr/>
           <a:lstStyle/>
           <a:p>
-            <a:fld id="{83A7FA58-885C-493C-AD89-B066319818E5}" type="datetimeFigureOut">
+            <a:fld id="{14A948C3-79BE-4F40-9526-0A98AA9444C7}" type="datetimeFigureOut">
               <a:rPr lang="zh-CN" altLang="en-US" smtClean="0"/>
               <a:t>2024/3/10</a:t>
             </a:fld>
@@ -2674,7 +2674,7 @@
           <p:cNvPr id="6" name="页脚占位符 5">
             <a:extLst>
               <a:ext uri="{FF2B5EF4-FFF2-40B4-BE49-F238E27FC236}">
-                <a16:creationId xmlns:a16="http://schemas.microsoft.com/office/drawing/2014/main" id="{DBCF203C-DBB2-343F-C575-39E5982A6521}"/>
+                <a16:creationId xmlns:a16="http://schemas.microsoft.com/office/drawing/2014/main" id="{11855A48-AEC5-493C-EAE9-20284C50D4A8}"/>
               </a:ext>
             </a:extLst>
           </p:cNvPr>
@@ -2699,7 +2699,7 @@
           <p:cNvPr id="7" name="灯片编号占位符 6">
             <a:extLst>
               <a:ext uri="{FF2B5EF4-FFF2-40B4-BE49-F238E27FC236}">
-                <a16:creationId xmlns:a16="http://schemas.microsoft.com/office/drawing/2014/main" id="{D4FA31B1-738B-3EAF-D0BB-9CD9C46B082F}"/>
+                <a16:creationId xmlns:a16="http://schemas.microsoft.com/office/drawing/2014/main" id="{322BE79F-D72F-4B77-7E57-59683A698EC5}"/>
               </a:ext>
             </a:extLst>
           </p:cNvPr>
@@ -2715,7 +2715,7 @@
           <a:bodyPr/>
           <a:lstStyle/>
           <a:p>
-            <a:fld id="{70247FD4-C0C0-4806-B061-931E58095FAD}" type="slidenum">
+            <a:fld id="{C31F1BDC-15E6-4436-8487-DA028E1A0A8D}" type="slidenum">
               <a:rPr lang="zh-CN" altLang="en-US" smtClean="0"/>
               <a:t>‹#›</a:t>
             </a:fld>
@@ -2726,7 +2726,7 @@
     </p:spTree>
     <p:extLst>
       <p:ext uri="{BB962C8B-B14F-4D97-AF65-F5344CB8AC3E}">
-        <p14:creationId xmlns:p14="http://schemas.microsoft.com/office/powerpoint/2010/main" val="3086188447"/>
+        <p14:creationId xmlns:p14="http://schemas.microsoft.com/office/powerpoint/2010/main" val="3849282074"/>
       </p:ext>
     </p:extLst>
   </p:cSld>
@@ -2763,7 +2763,7 @@
           <p:cNvPr id="2" name="标题占位符 1">
             <a:extLst>
               <a:ext uri="{FF2B5EF4-FFF2-40B4-BE49-F238E27FC236}">
-                <a16:creationId xmlns:a16="http://schemas.microsoft.com/office/drawing/2014/main" id="{47DD2ADB-4A50-ED2C-0E25-955377088709}"/>
+                <a16:creationId xmlns:a16="http://schemas.microsoft.com/office/drawing/2014/main" id="{CB2B1A8B-5481-15BF-CEFE-D6CA3C01C82E}"/>
               </a:ext>
             </a:extLst>
           </p:cNvPr>
@@ -2801,7 +2801,7 @@
           <p:cNvPr id="3" name="文本占位符 2">
             <a:extLst>
               <a:ext uri="{FF2B5EF4-FFF2-40B4-BE49-F238E27FC236}">
-                <a16:creationId xmlns:a16="http://schemas.microsoft.com/office/drawing/2014/main" id="{0F4DD7A0-731B-7E2D-A3CC-CD6687026F2F}"/>
+                <a16:creationId xmlns:a16="http://schemas.microsoft.com/office/drawing/2014/main" id="{D5EE89D4-6981-BAC8-E353-6F3FB1E7C7A8}"/>
               </a:ext>
             </a:extLst>
           </p:cNvPr>
@@ -2868,7 +2868,7 @@
           <p:cNvPr id="4" name="日期占位符 3">
             <a:extLst>
               <a:ext uri="{FF2B5EF4-FFF2-40B4-BE49-F238E27FC236}">
-                <a16:creationId xmlns:a16="http://schemas.microsoft.com/office/drawing/2014/main" id="{C15F2780-D4E8-3C88-4C5F-4A6594A1C0D7}"/>
+                <a16:creationId xmlns:a16="http://schemas.microsoft.com/office/drawing/2014/main" id="{E3AC00E4-1DEB-969C-E282-4D54B0780FA4}"/>
               </a:ext>
             </a:extLst>
           </p:cNvPr>
@@ -2902,7 +2902,7 @@
             </a:lvl1pPr>
           </a:lstStyle>
           <a:p>
-            <a:fld id="{83A7FA58-885C-493C-AD89-B066319818E5}" type="datetimeFigureOut">
+            <a:fld id="{14A948C3-79BE-4F40-9526-0A98AA9444C7}" type="datetimeFigureOut">
               <a:rPr lang="zh-CN" altLang="en-US" smtClean="0"/>
               <a:t>2024/3/10</a:t>
             </a:fld>
@@ -2915,7 +2915,7 @@
           <p:cNvPr id="5" name="页脚占位符 4">
             <a:extLst>
               <a:ext uri="{FF2B5EF4-FFF2-40B4-BE49-F238E27FC236}">
-                <a16:creationId xmlns:a16="http://schemas.microsoft.com/office/drawing/2014/main" id="{78EE8855-33BE-F2F4-1680-3A47134B1B4F}"/>
+                <a16:creationId xmlns:a16="http://schemas.microsoft.com/office/drawing/2014/main" id="{7F16124C-E97A-7CEB-7A40-B0E2E48663E8}"/>
               </a:ext>
             </a:extLst>
           </p:cNvPr>
@@ -2958,7 +2958,7 @@
           <p:cNvPr id="6" name="灯片编号占位符 5">
             <a:extLst>
               <a:ext uri="{FF2B5EF4-FFF2-40B4-BE49-F238E27FC236}">
-                <a16:creationId xmlns:a16="http://schemas.microsoft.com/office/drawing/2014/main" id="{939F8B96-BEBC-12E6-EE11-984D9BD5ACB4}"/>
+                <a16:creationId xmlns:a16="http://schemas.microsoft.com/office/drawing/2014/main" id="{3FEACBC7-1A44-AB84-2B38-AA29E78C8811}"/>
               </a:ext>
             </a:extLst>
           </p:cNvPr>
@@ -2992,7 +2992,7 @@
             </a:lvl1pPr>
           </a:lstStyle>
           <a:p>
-            <a:fld id="{70247FD4-C0C0-4806-B061-931E58095FAD}" type="slidenum">
+            <a:fld id="{C31F1BDC-15E6-4436-8487-DA028E1A0A8D}" type="slidenum">
               <a:rPr lang="zh-CN" altLang="en-US" smtClean="0"/>
               <a:t>‹#›</a:t>
             </a:fld>
@@ -3003,7 +3003,7 @@
     </p:spTree>
     <p:extLst>
       <p:ext uri="{BB962C8B-B14F-4D97-AF65-F5344CB8AC3E}">
-        <p14:creationId xmlns:p14="http://schemas.microsoft.com/office/powerpoint/2010/main" val="2352363495"/>
+        <p14:creationId xmlns:p14="http://schemas.microsoft.com/office/powerpoint/2010/main" val="3694035797"/>
       </p:ext>
     </p:extLst>
   </p:cSld>
